--- a/Bank application.pptx
+++ b/Bank application.pptx
@@ -7,8 +7,9 @@
   <p:sldIdLst>
     <p:sldId id="259" r:id="rId2"/>
     <p:sldId id="257" r:id="rId3"/>
-    <p:sldId id="258" r:id="rId4"/>
-    <p:sldId id="260" r:id="rId5"/>
+    <p:sldId id="261" r:id="rId4"/>
+    <p:sldId id="258" r:id="rId5"/>
+    <p:sldId id="260" r:id="rId6"/>
   </p:sldIdLst>
   <p:sldSz cx="12192000" cy="6858000"/>
   <p:notesSz cx="6858000" cy="9144000"/>
@@ -113,6 +114,81 @@
     </p:ext>
   </p:extLst>
 </p:presentation>
+</file>
+
+<file path=ppt/changesInfos/changesInfo1.xml><?xml version="1.0" encoding="utf-8"?>
+<pc:chgInfo xmlns:a="http://schemas.openxmlformats.org/drawingml/2006/main" xmlns:r="http://schemas.openxmlformats.org/officeDocument/2006/relationships" xmlns:ac="http://schemas.microsoft.com/office/drawing/2013/main/command" xmlns:pc="http://schemas.microsoft.com/office/powerpoint/2013/main/command">
+  <pc:docChgLst>
+    <pc:chgData name="Perumbaduru Soni" userId="7de0a00dba584ff7" providerId="LiveId" clId="{9DD17EE2-0B1B-42D4-B23F-558F004D5765}"/>
+    <pc:docChg chg="addSld modSld">
+      <pc:chgData name="Perumbaduru Soni" userId="7de0a00dba584ff7" providerId="LiveId" clId="{9DD17EE2-0B1B-42D4-B23F-558F004D5765}" dt="2021-12-29T12:49:38.481" v="112" actId="6549"/>
+      <pc:docMkLst>
+        <pc:docMk/>
+      </pc:docMkLst>
+      <pc:sldChg chg="modSp mod">
+        <pc:chgData name="Perumbaduru Soni" userId="7de0a00dba584ff7" providerId="LiveId" clId="{9DD17EE2-0B1B-42D4-B23F-558F004D5765}" dt="2021-12-29T12:49:38.481" v="112" actId="6549"/>
+        <pc:sldMkLst>
+          <pc:docMk/>
+          <pc:sldMk cId="2359722139" sldId="257"/>
+        </pc:sldMkLst>
+        <pc:spChg chg="mod">
+          <ac:chgData name="Perumbaduru Soni" userId="7de0a00dba584ff7" providerId="LiveId" clId="{9DD17EE2-0B1B-42D4-B23F-558F004D5765}" dt="2021-12-29T12:49:38.481" v="112" actId="6549"/>
+          <ac:spMkLst>
+            <pc:docMk/>
+            <pc:sldMk cId="2359722139" sldId="257"/>
+            <ac:spMk id="3" creationId="{694C4EBB-500F-4D6A-B5E9-AF0F05CB1F98}"/>
+          </ac:spMkLst>
+        </pc:spChg>
+      </pc:sldChg>
+      <pc:sldChg chg="modSp mod">
+        <pc:chgData name="Perumbaduru Soni" userId="7de0a00dba584ff7" providerId="LiveId" clId="{9DD17EE2-0B1B-42D4-B23F-558F004D5765}" dt="2021-12-29T12:47:39.380" v="90" actId="1076"/>
+        <pc:sldMkLst>
+          <pc:docMk/>
+          <pc:sldMk cId="606018487" sldId="259"/>
+        </pc:sldMkLst>
+        <pc:spChg chg="mod">
+          <ac:chgData name="Perumbaduru Soni" userId="7de0a00dba584ff7" providerId="LiveId" clId="{9DD17EE2-0B1B-42D4-B23F-558F004D5765}" dt="2021-12-29T12:47:39.380" v="90" actId="1076"/>
+          <ac:spMkLst>
+            <pc:docMk/>
+            <pc:sldMk cId="606018487" sldId="259"/>
+            <ac:spMk id="2" creationId="{87648C32-5232-4277-9805-70B6EA1C4A9C}"/>
+          </ac:spMkLst>
+        </pc:spChg>
+        <pc:spChg chg="mod">
+          <ac:chgData name="Perumbaduru Soni" userId="7de0a00dba584ff7" providerId="LiveId" clId="{9DD17EE2-0B1B-42D4-B23F-558F004D5765}" dt="2021-12-29T12:47:26.655" v="89"/>
+          <ac:spMkLst>
+            <pc:docMk/>
+            <pc:sldMk cId="606018487" sldId="259"/>
+            <ac:spMk id="3" creationId="{D5B1D918-AA19-4FEC-B90A-A8510E80BBEA}"/>
+          </ac:spMkLst>
+        </pc:spChg>
+      </pc:sldChg>
+      <pc:sldChg chg="modSp new mod">
+        <pc:chgData name="Perumbaduru Soni" userId="7de0a00dba584ff7" providerId="LiveId" clId="{9DD17EE2-0B1B-42D4-B23F-558F004D5765}" dt="2021-12-29T12:48:58.211" v="107" actId="1076"/>
+        <pc:sldMkLst>
+          <pc:docMk/>
+          <pc:sldMk cId="1426589881" sldId="261"/>
+        </pc:sldMkLst>
+        <pc:spChg chg="mod">
+          <ac:chgData name="Perumbaduru Soni" userId="7de0a00dba584ff7" providerId="LiveId" clId="{9DD17EE2-0B1B-42D4-B23F-558F004D5765}" dt="2021-12-29T12:48:49.747" v="106" actId="1076"/>
+          <ac:spMkLst>
+            <pc:docMk/>
+            <pc:sldMk cId="1426589881" sldId="261"/>
+            <ac:spMk id="2" creationId="{4ADBE26B-1A46-404C-B8BC-50C08FB5A147}"/>
+          </ac:spMkLst>
+        </pc:spChg>
+        <pc:spChg chg="mod">
+          <ac:chgData name="Perumbaduru Soni" userId="7de0a00dba584ff7" providerId="LiveId" clId="{9DD17EE2-0B1B-42D4-B23F-558F004D5765}" dt="2021-12-29T12:48:58.211" v="107" actId="1076"/>
+          <ac:spMkLst>
+            <pc:docMk/>
+            <pc:sldMk cId="1426589881" sldId="261"/>
+            <ac:spMk id="3" creationId="{BF28B516-20C1-409B-891E-DCFD9A74ECFC}"/>
+          </ac:spMkLst>
+        </pc:spChg>
+      </pc:sldChg>
+    </pc:docChg>
+  </pc:docChgLst>
+</pc:chgInfo>
 </file>
 
 <file path=ppt/slideLayouts/slideLayout1.xml><?xml version="1.0" encoding="utf-8"?>
@@ -5848,7 +5924,12 @@
             <p:ph type="title"/>
           </p:nvPr>
         </p:nvSpPr>
-        <p:spPr/>
+        <p:spPr>
+          <a:xfrm>
+            <a:off x="1983619" y="712237"/>
+            <a:ext cx="8596668" cy="1320800"/>
+          </a:xfrm>
+        </p:spPr>
         <p:txBody>
           <a:bodyPr/>
           <a:lstStyle/>
@@ -5879,8 +5960,8 @@
         </p:nvSpPr>
         <p:spPr>
           <a:xfrm>
-            <a:off x="8218228" y="3247313"/>
-            <a:ext cx="3574475" cy="3416300"/>
+            <a:off x="8003747" y="2464319"/>
+            <a:ext cx="4094947" cy="3444553"/>
           </a:xfrm>
         </p:spPr>
         <p:txBody>
@@ -5889,21 +5970,26 @@
           <a:p>
             <a:r>
               <a:rPr lang="en-US" dirty="0"/>
-              <a:t>P.PRIYANKA </a:t>
+              <a:t>SUBMITTED BY</a:t>
             </a:r>
           </a:p>
           <a:p>
             <a:r>
               <a:rPr lang="en-US" dirty="0"/>
-              <a:t>20216139</a:t>
+              <a:t>P.PRIYANKA</a:t>
             </a:r>
           </a:p>
           <a:p>
             <a:r>
               <a:rPr lang="en-US" dirty="0"/>
-              <a:t>EONFWL45668</a:t>
-            </a:r>
-            <a:endParaRPr lang="en-IN" dirty="0"/>
+              <a:t>BATCH CODE</a:t>
+            </a:r>
+          </a:p>
+          <a:p>
+            <a:r>
+              <a:rPr lang="en-US" dirty="0"/>
+              <a:t>2021-6139</a:t>
+            </a:r>
           </a:p>
         </p:txBody>
       </p:sp>
@@ -6002,99 +6088,9 @@
             </a:r>
           </a:p>
           <a:p>
-            <a:pPr algn="just"/>
-            <a:r>
-              <a:rPr lang="en-US" b="0" i="0" dirty="0">
-                <a:solidFill>
-                  <a:srgbClr val="333333"/>
-                </a:solidFill>
-                <a:effectLst/>
-                <a:latin typeface="inter-regular"/>
-              </a:rPr>
-              <a:t>The series of menus displayed are as follows:</a:t>
-            </a:r>
-          </a:p>
-          <a:p>
-            <a:pPr algn="just">
-              <a:buFont typeface="+mj-lt"/>
-              <a:buAutoNum type="arabicPeriod"/>
+            <a:pPr marL="0" indent="0">
+              <a:buNone/>
             </a:pPr>
-            <a:r>
-              <a:rPr lang="en-US" b="0" i="0" dirty="0">
-                <a:solidFill>
-                  <a:srgbClr val="000000"/>
-                </a:solidFill>
-                <a:effectLst/>
-                <a:latin typeface="inter-regular"/>
-              </a:rPr>
-              <a:t>Display all account details</a:t>
-            </a:r>
-          </a:p>
-          <a:p>
-            <a:pPr algn="just">
-              <a:buFont typeface="+mj-lt"/>
-              <a:buAutoNum type="arabicPeriod"/>
-            </a:pPr>
-            <a:r>
-              <a:rPr lang="en-US" b="0" i="0" dirty="0">
-                <a:solidFill>
-                  <a:srgbClr val="000000"/>
-                </a:solidFill>
-                <a:effectLst/>
-                <a:latin typeface="inter-regular"/>
-              </a:rPr>
-              <a:t>Search by account number</a:t>
-            </a:r>
-          </a:p>
-          <a:p>
-            <a:pPr algn="just">
-              <a:buFont typeface="+mj-lt"/>
-              <a:buAutoNum type="arabicPeriod"/>
-            </a:pPr>
-            <a:r>
-              <a:rPr lang="en-US" b="0" i="0" dirty="0">
-                <a:solidFill>
-                  <a:srgbClr val="000000"/>
-                </a:solidFill>
-                <a:effectLst/>
-                <a:latin typeface="inter-regular"/>
-              </a:rPr>
-              <a:t>Deposit the amount</a:t>
-            </a:r>
-          </a:p>
-          <a:p>
-            <a:pPr algn="just">
-              <a:buFont typeface="+mj-lt"/>
-              <a:buAutoNum type="arabicPeriod"/>
-            </a:pPr>
-            <a:r>
-              <a:rPr lang="en-US" b="0" i="0" dirty="0">
-                <a:solidFill>
-                  <a:srgbClr val="000000"/>
-                </a:solidFill>
-                <a:effectLst/>
-                <a:latin typeface="inter-regular"/>
-              </a:rPr>
-              <a:t>Withdraw the amount</a:t>
-            </a:r>
-          </a:p>
-          <a:p>
-            <a:pPr algn="just">
-              <a:buFont typeface="+mj-lt"/>
-              <a:buAutoNum type="arabicPeriod"/>
-            </a:pPr>
-            <a:r>
-              <a:rPr lang="en-US" b="0" i="0" dirty="0">
-                <a:solidFill>
-                  <a:srgbClr val="000000"/>
-                </a:solidFill>
-                <a:effectLst/>
-                <a:latin typeface="inter-regular"/>
-              </a:rPr>
-              <a:t>Exit</a:t>
-            </a:r>
-          </a:p>
-          <a:p>
             <a:endParaRPr lang="en-IN" dirty="0"/>
           </a:p>
         </p:txBody>
@@ -6113,6 +6109,190 @@
 </file>
 
 <file path=ppt/slides/slide3.xml><?xml version="1.0" encoding="utf-8"?>
+<p:sld xmlns:a="http://schemas.openxmlformats.org/drawingml/2006/main" xmlns:r="http://schemas.openxmlformats.org/officeDocument/2006/relationships" xmlns:p="http://schemas.openxmlformats.org/presentationml/2006/main">
+  <p:cSld>
+    <p:spTree>
+      <p:nvGrpSpPr>
+        <p:cNvPr id="1" name=""/>
+        <p:cNvGrpSpPr/>
+        <p:nvPr/>
+      </p:nvGrpSpPr>
+      <p:grpSpPr>
+        <a:xfrm>
+          <a:off x="0" y="0"/>
+          <a:ext cx="0" cy="0"/>
+          <a:chOff x="0" y="0"/>
+          <a:chExt cx="0" cy="0"/>
+        </a:xfrm>
+      </p:grpSpPr>
+      <p:sp>
+        <p:nvSpPr>
+          <p:cNvPr id="2" name="Title 1">
+            <a:extLst>
+              <a:ext uri="{FF2B5EF4-FFF2-40B4-BE49-F238E27FC236}">
+                <a16:creationId xmlns:a16="http://schemas.microsoft.com/office/drawing/2014/main" id="{4ADBE26B-1A46-404C-B8BC-50C08FB5A147}"/>
+              </a:ext>
+            </a:extLst>
+          </p:cNvPr>
+          <p:cNvSpPr>
+            <a:spLocks noGrp="1"/>
+          </p:cNvSpPr>
+          <p:nvPr>
+            <p:ph type="title"/>
+          </p:nvPr>
+        </p:nvSpPr>
+        <p:spPr>
+          <a:xfrm>
+            <a:off x="2972664" y="628262"/>
+            <a:ext cx="2849637" cy="1320800"/>
+          </a:xfrm>
+        </p:spPr>
+        <p:txBody>
+          <a:bodyPr/>
+          <a:lstStyle/>
+          <a:p>
+            <a:r>
+              <a:rPr lang="en-US" dirty="0"/>
+              <a:t>MODULES</a:t>
+            </a:r>
+            <a:endParaRPr lang="en-IN" dirty="0"/>
+          </a:p>
+        </p:txBody>
+      </p:sp>
+      <p:sp>
+        <p:nvSpPr>
+          <p:cNvPr id="3" name="Content Placeholder 2">
+            <a:extLst>
+              <a:ext uri="{FF2B5EF4-FFF2-40B4-BE49-F238E27FC236}">
+                <a16:creationId xmlns:a16="http://schemas.microsoft.com/office/drawing/2014/main" id="{BF28B516-20C1-409B-891E-DCFD9A74ECFC}"/>
+              </a:ext>
+            </a:extLst>
+          </p:cNvPr>
+          <p:cNvSpPr>
+            <a:spLocks noGrp="1"/>
+          </p:cNvSpPr>
+          <p:nvPr>
+            <p:ph idx="1"/>
+          </p:nvPr>
+        </p:nvSpPr>
+        <p:spPr>
+          <a:xfrm>
+            <a:off x="1274493" y="1386148"/>
+            <a:ext cx="8596668" cy="3880773"/>
+          </a:xfrm>
+        </p:spPr>
+        <p:txBody>
+          <a:bodyPr/>
+          <a:lstStyle/>
+          <a:p>
+            <a:pPr algn="just"/>
+            <a:r>
+              <a:rPr lang="en-US" b="0" i="0" dirty="0">
+                <a:solidFill>
+                  <a:srgbClr val="333333"/>
+                </a:solidFill>
+                <a:effectLst/>
+                <a:latin typeface="inter-regular"/>
+              </a:rPr>
+              <a:t>The series of menus displayed are as follows:</a:t>
+            </a:r>
+          </a:p>
+          <a:p>
+            <a:pPr algn="just">
+              <a:buFont typeface="+mj-lt"/>
+              <a:buAutoNum type="arabicPeriod"/>
+            </a:pPr>
+            <a:r>
+              <a:rPr lang="en-US" b="0" i="0" dirty="0">
+                <a:solidFill>
+                  <a:srgbClr val="000000"/>
+                </a:solidFill>
+                <a:effectLst/>
+                <a:latin typeface="inter-regular"/>
+              </a:rPr>
+              <a:t>Display all account details</a:t>
+            </a:r>
+          </a:p>
+          <a:p>
+            <a:pPr algn="just">
+              <a:buFont typeface="+mj-lt"/>
+              <a:buAutoNum type="arabicPeriod"/>
+            </a:pPr>
+            <a:r>
+              <a:rPr lang="en-US" b="0" i="0" dirty="0">
+                <a:solidFill>
+                  <a:srgbClr val="000000"/>
+                </a:solidFill>
+                <a:effectLst/>
+                <a:latin typeface="inter-regular"/>
+              </a:rPr>
+              <a:t>Search by account number</a:t>
+            </a:r>
+          </a:p>
+          <a:p>
+            <a:pPr algn="just">
+              <a:buFont typeface="+mj-lt"/>
+              <a:buAutoNum type="arabicPeriod"/>
+            </a:pPr>
+            <a:r>
+              <a:rPr lang="en-US" b="0" i="0" dirty="0">
+                <a:solidFill>
+                  <a:srgbClr val="000000"/>
+                </a:solidFill>
+                <a:effectLst/>
+                <a:latin typeface="inter-regular"/>
+              </a:rPr>
+              <a:t>Deposit the amount</a:t>
+            </a:r>
+          </a:p>
+          <a:p>
+            <a:pPr algn="just">
+              <a:buFont typeface="+mj-lt"/>
+              <a:buAutoNum type="arabicPeriod"/>
+            </a:pPr>
+            <a:r>
+              <a:rPr lang="en-US" b="0" i="0" dirty="0">
+                <a:solidFill>
+                  <a:srgbClr val="000000"/>
+                </a:solidFill>
+                <a:effectLst/>
+                <a:latin typeface="inter-regular"/>
+              </a:rPr>
+              <a:t>Withdraw the amount</a:t>
+            </a:r>
+          </a:p>
+          <a:p>
+            <a:pPr algn="just">
+              <a:buFont typeface="+mj-lt"/>
+              <a:buAutoNum type="arabicPeriod"/>
+            </a:pPr>
+            <a:r>
+              <a:rPr lang="en-US" b="0" i="0" dirty="0">
+                <a:solidFill>
+                  <a:srgbClr val="000000"/>
+                </a:solidFill>
+                <a:effectLst/>
+                <a:latin typeface="inter-regular"/>
+              </a:rPr>
+              <a:t>Exit</a:t>
+            </a:r>
+          </a:p>
+        </p:txBody>
+      </p:sp>
+    </p:spTree>
+    <p:extLst>
+      <p:ext uri="{BB962C8B-B14F-4D97-AF65-F5344CB8AC3E}">
+        <p14:creationId xmlns:p14="http://schemas.microsoft.com/office/powerpoint/2010/main" val="1426589881"/>
+      </p:ext>
+    </p:extLst>
+  </p:cSld>
+  <p:clrMapOvr>
+    <a:masterClrMapping/>
+  </p:clrMapOvr>
+</p:sld>
+</file>
+
+<file path=ppt/slides/slide4.xml><?xml version="1.0" encoding="utf-8"?>
 <p:sld xmlns:a="http://schemas.openxmlformats.org/drawingml/2006/main" xmlns:r="http://schemas.openxmlformats.org/officeDocument/2006/relationships" xmlns:p="http://schemas.openxmlformats.org/presentationml/2006/main">
   <p:cSld>
     <p:spTree>
@@ -6211,7 +6391,7 @@
 </p:sld>
 </file>
 
-<file path=ppt/slides/slide4.xml><?xml version="1.0" encoding="utf-8"?>
+<file path=ppt/slides/slide5.xml><?xml version="1.0" encoding="utf-8"?>
 <p:sld xmlns:a="http://schemas.openxmlformats.org/drawingml/2006/main" xmlns:r="http://schemas.openxmlformats.org/officeDocument/2006/relationships" xmlns:p="http://schemas.openxmlformats.org/presentationml/2006/main">
   <p:cSld>
     <p:spTree>
